--- a/powerpoints/instrumental_variables.pptx
+++ b/powerpoints/instrumental_variables.pptx
@@ -209,7 +209,7 @@
           <a:p>
             <a:fld id="{65F6F470-4920-F44F-AB5E-CE0F23D88C17}" type="datetimeFigureOut">
               <a:rPr lang="en-US" smtClean="0"/>
-              <a:t>1/4/24</a:t>
+              <a:t>1/25/24</a:t>
             </a:fld>
             <a:endParaRPr lang="en-US"/>
           </a:p>
@@ -806,7 +806,7 @@
           <a:p>
             <a:fld id="{CFC5ACD8-89F2-134A-B2B5-0563D5C29B69}" type="datetimeFigureOut">
               <a:rPr lang="en-US" smtClean="0"/>
-              <a:t>1/4/24</a:t>
+              <a:t>1/25/24</a:t>
             </a:fld>
             <a:endParaRPr lang="en-US"/>
           </a:p>
@@ -1004,7 +1004,7 @@
           <a:p>
             <a:fld id="{CFC5ACD8-89F2-134A-B2B5-0563D5C29B69}" type="datetimeFigureOut">
               <a:rPr lang="en-US" smtClean="0"/>
-              <a:t>1/4/24</a:t>
+              <a:t>1/25/24</a:t>
             </a:fld>
             <a:endParaRPr lang="en-US"/>
           </a:p>
@@ -1212,7 +1212,7 @@
           <a:p>
             <a:fld id="{CFC5ACD8-89F2-134A-B2B5-0563D5C29B69}" type="datetimeFigureOut">
               <a:rPr lang="en-US" smtClean="0"/>
-              <a:t>1/4/24</a:t>
+              <a:t>1/25/24</a:t>
             </a:fld>
             <a:endParaRPr lang="en-US"/>
           </a:p>
@@ -1410,7 +1410,7 @@
           <a:p>
             <a:fld id="{CFC5ACD8-89F2-134A-B2B5-0563D5C29B69}" type="datetimeFigureOut">
               <a:rPr lang="en-US" smtClean="0"/>
-              <a:t>1/4/24</a:t>
+              <a:t>1/25/24</a:t>
             </a:fld>
             <a:endParaRPr lang="en-US"/>
           </a:p>
@@ -1685,7 +1685,7 @@
           <a:p>
             <a:fld id="{CFC5ACD8-89F2-134A-B2B5-0563D5C29B69}" type="datetimeFigureOut">
               <a:rPr lang="en-US" smtClean="0"/>
-              <a:t>1/4/24</a:t>
+              <a:t>1/25/24</a:t>
             </a:fld>
             <a:endParaRPr lang="en-US"/>
           </a:p>
@@ -1950,7 +1950,7 @@
           <a:p>
             <a:fld id="{CFC5ACD8-89F2-134A-B2B5-0563D5C29B69}" type="datetimeFigureOut">
               <a:rPr lang="en-US" smtClean="0"/>
-              <a:t>1/4/24</a:t>
+              <a:t>1/25/24</a:t>
             </a:fld>
             <a:endParaRPr lang="en-US"/>
           </a:p>
@@ -2362,7 +2362,7 @@
           <a:p>
             <a:fld id="{CFC5ACD8-89F2-134A-B2B5-0563D5C29B69}" type="datetimeFigureOut">
               <a:rPr lang="en-US" smtClean="0"/>
-              <a:t>1/4/24</a:t>
+              <a:t>1/25/24</a:t>
             </a:fld>
             <a:endParaRPr lang="en-US"/>
           </a:p>
@@ -2503,7 +2503,7 @@
           <a:p>
             <a:fld id="{CFC5ACD8-89F2-134A-B2B5-0563D5C29B69}" type="datetimeFigureOut">
               <a:rPr lang="en-US" smtClean="0"/>
-              <a:t>1/4/24</a:t>
+              <a:t>1/25/24</a:t>
             </a:fld>
             <a:endParaRPr lang="en-US"/>
           </a:p>
@@ -2616,7 +2616,7 @@
           <a:p>
             <a:fld id="{CFC5ACD8-89F2-134A-B2B5-0563D5C29B69}" type="datetimeFigureOut">
               <a:rPr lang="en-US" smtClean="0"/>
-              <a:t>1/4/24</a:t>
+              <a:t>1/25/24</a:t>
             </a:fld>
             <a:endParaRPr lang="en-US"/>
           </a:p>
@@ -2927,7 +2927,7 @@
           <a:p>
             <a:fld id="{CFC5ACD8-89F2-134A-B2B5-0563D5C29B69}" type="datetimeFigureOut">
               <a:rPr lang="en-US" smtClean="0"/>
-              <a:t>1/4/24</a:t>
+              <a:t>1/25/24</a:t>
             </a:fld>
             <a:endParaRPr lang="en-US"/>
           </a:p>
@@ -3215,7 +3215,7 @@
           <a:p>
             <a:fld id="{CFC5ACD8-89F2-134A-B2B5-0563D5C29B69}" type="datetimeFigureOut">
               <a:rPr lang="en-US" smtClean="0"/>
-              <a:t>1/4/24</a:t>
+              <a:t>1/25/24</a:t>
             </a:fld>
             <a:endParaRPr lang="en-US"/>
           </a:p>
@@ -3456,7 +3456,7 @@
           <a:p>
             <a:fld id="{CFC5ACD8-89F2-134A-B2B5-0563D5C29B69}" type="datetimeFigureOut">
               <a:rPr lang="en-US" smtClean="0"/>
-              <a:t>1/4/24</a:t>
+              <a:t>1/25/24</a:t>
             </a:fld>
             <a:endParaRPr lang="en-US"/>
           </a:p>
@@ -4045,7 +4045,15 @@
           <a:p>
             <a:r>
               <a:rPr lang="en-US" dirty="0"/>
-              <a:t>What is the problem of two many weak instruments: it increases the bias of the 2SLS estimator.</a:t>
+              <a:t>What is the problem </a:t>
+            </a:r>
+            <a:r>
+              <a:rPr lang="en-US"/>
+              <a:t>of too </a:t>
+            </a:r>
+            <a:r>
+              <a:rPr lang="en-US" dirty="0"/>
+              <a:t>many weak instruments: it increases the bias of the 2SLS estimator.</a:t>
             </a:r>
           </a:p>
           <a:p>
@@ -5144,16 +5152,10 @@
               <a:buChar char="•"/>
             </a:pPr>
             <a:r>
-              <a:rPr lang="en-US" sz="1800">
-                <a:latin typeface="HelveticaLTStd"/>
-              </a:rPr>
-              <a:t>The </a:t>
-            </a:r>
-            <a:r>
               <a:rPr lang="en-US" sz="1800" dirty="0">
                 <a:latin typeface="HelveticaLTStd"/>
               </a:rPr>
-              <a:t>Old Boys' Club: Schmoozing and the Gender Gap 2021 by Zoë Cullen, Ricardo Perez-</a:t>
+              <a:t>The Old Boys' Club: Schmoozing and the Gender Gap 2021 by Zoë Cullen, Ricardo Perez-</a:t>
             </a:r>
             <a:r>
               <a:rPr lang="en-US" sz="1800" dirty="0" err="1">
